--- a/README.pptx
+++ b/README.pptx
@@ -5,7 +5,8 @@
     <p:sldMasterId id="2147483648" r:id="rId1"/>
   </p:sldMasterIdLst>
   <p:sldIdLst>
-    <p:sldId id="256" r:id="rId2"/>
+    <p:sldId id="257" r:id="rId2"/>
+    <p:sldId id="256" r:id="rId3"/>
   </p:sldIdLst>
   <p:sldSz cx="12192000" cy="6858000"/>
   <p:notesSz cx="6858000" cy="9144000"/>
@@ -104,6 +105,11 @@
       </a:defRPr>
     </a:lvl9pPr>
   </p:defaultTextStyle>
+  <p:extLst>
+    <p:ext uri="{EFAFB233-063F-42B5-8137-9DF3F51BA10A}">
+      <p15:sldGuideLst xmlns:p15="http://schemas.microsoft.com/office/powerpoint/2012/main"/>
+    </p:ext>
+  </p:extLst>
 </p:presentation>
 </file>
 
@@ -256,7 +262,7 @@
           <a:p>
             <a:fld id="{ACF17D47-5952-4E10-B252-641B3F4E4BF7}" type="datetimeFigureOut">
               <a:rPr lang="en-IN" smtClean="0"/>
-              <a:t>25-11-2018</a:t>
+              <a:t>10-12-2018</a:t>
             </a:fld>
             <a:endParaRPr lang="en-IN"/>
           </a:p>
@@ -456,7 +462,7 @@
           <a:p>
             <a:fld id="{ACF17D47-5952-4E10-B252-641B3F4E4BF7}" type="datetimeFigureOut">
               <a:rPr lang="en-IN" smtClean="0"/>
-              <a:t>25-11-2018</a:t>
+              <a:t>10-12-2018</a:t>
             </a:fld>
             <a:endParaRPr lang="en-IN"/>
           </a:p>
@@ -666,7 +672,7 @@
           <a:p>
             <a:fld id="{ACF17D47-5952-4E10-B252-641B3F4E4BF7}" type="datetimeFigureOut">
               <a:rPr lang="en-IN" smtClean="0"/>
-              <a:t>25-11-2018</a:t>
+              <a:t>10-12-2018</a:t>
             </a:fld>
             <a:endParaRPr lang="en-IN"/>
           </a:p>
@@ -866,7 +872,7 @@
           <a:p>
             <a:fld id="{ACF17D47-5952-4E10-B252-641B3F4E4BF7}" type="datetimeFigureOut">
               <a:rPr lang="en-IN" smtClean="0"/>
-              <a:t>25-11-2018</a:t>
+              <a:t>10-12-2018</a:t>
             </a:fld>
             <a:endParaRPr lang="en-IN"/>
           </a:p>
@@ -1142,7 +1148,7 @@
           <a:p>
             <a:fld id="{ACF17D47-5952-4E10-B252-641B3F4E4BF7}" type="datetimeFigureOut">
               <a:rPr lang="en-IN" smtClean="0"/>
-              <a:t>25-11-2018</a:t>
+              <a:t>10-12-2018</a:t>
             </a:fld>
             <a:endParaRPr lang="en-IN"/>
           </a:p>
@@ -1410,7 +1416,7 @@
           <a:p>
             <a:fld id="{ACF17D47-5952-4E10-B252-641B3F4E4BF7}" type="datetimeFigureOut">
               <a:rPr lang="en-IN" smtClean="0"/>
-              <a:t>25-11-2018</a:t>
+              <a:t>10-12-2018</a:t>
             </a:fld>
             <a:endParaRPr lang="en-IN"/>
           </a:p>
@@ -1825,7 +1831,7 @@
           <a:p>
             <a:fld id="{ACF17D47-5952-4E10-B252-641B3F4E4BF7}" type="datetimeFigureOut">
               <a:rPr lang="en-IN" smtClean="0"/>
-              <a:t>25-11-2018</a:t>
+              <a:t>10-12-2018</a:t>
             </a:fld>
             <a:endParaRPr lang="en-IN"/>
           </a:p>
@@ -1967,7 +1973,7 @@
           <a:p>
             <a:fld id="{ACF17D47-5952-4E10-B252-641B3F4E4BF7}" type="datetimeFigureOut">
               <a:rPr lang="en-IN" smtClean="0"/>
-              <a:t>25-11-2018</a:t>
+              <a:t>10-12-2018</a:t>
             </a:fld>
             <a:endParaRPr lang="en-IN"/>
           </a:p>
@@ -2080,7 +2086,7 @@
           <a:p>
             <a:fld id="{ACF17D47-5952-4E10-B252-641B3F4E4BF7}" type="datetimeFigureOut">
               <a:rPr lang="en-IN" smtClean="0"/>
-              <a:t>25-11-2018</a:t>
+              <a:t>10-12-2018</a:t>
             </a:fld>
             <a:endParaRPr lang="en-IN"/>
           </a:p>
@@ -2393,7 +2399,7 @@
           <a:p>
             <a:fld id="{ACF17D47-5952-4E10-B252-641B3F4E4BF7}" type="datetimeFigureOut">
               <a:rPr lang="en-IN" smtClean="0"/>
-              <a:t>25-11-2018</a:t>
+              <a:t>10-12-2018</a:t>
             </a:fld>
             <a:endParaRPr lang="en-IN"/>
           </a:p>
@@ -2682,7 +2688,7 @@
           <a:p>
             <a:fld id="{ACF17D47-5952-4E10-B252-641B3F4E4BF7}" type="datetimeFigureOut">
               <a:rPr lang="en-IN" smtClean="0"/>
-              <a:t>25-11-2018</a:t>
+              <a:t>10-12-2018</a:t>
             </a:fld>
             <a:endParaRPr lang="en-IN"/>
           </a:p>
@@ -2925,7 +2931,7 @@
           <a:p>
             <a:fld id="{ACF17D47-5952-4E10-B252-641B3F4E4BF7}" type="datetimeFigureOut">
               <a:rPr lang="en-IN" smtClean="0"/>
-              <a:t>25-11-2018</a:t>
+              <a:t>10-12-2018</a:t>
             </a:fld>
             <a:endParaRPr lang="en-IN"/>
           </a:p>
@@ -3326,6 +3332,874 @@
 </file>
 
 <file path=ppt/slides/slide1.xml><?xml version="1.0" encoding="utf-8"?>
+<p:sld xmlns:a="http://schemas.openxmlformats.org/drawingml/2006/main" xmlns:r="http://schemas.openxmlformats.org/officeDocument/2006/relationships" xmlns:p="http://schemas.openxmlformats.org/presentationml/2006/main">
+  <p:cSld>
+    <p:spTree>
+      <p:nvGrpSpPr>
+        <p:cNvPr id="1" name=""/>
+        <p:cNvGrpSpPr/>
+        <p:nvPr/>
+      </p:nvGrpSpPr>
+      <p:grpSpPr>
+        <a:xfrm>
+          <a:off x="0" y="0"/>
+          <a:ext cx="0" cy="0"/>
+          <a:chOff x="0" y="0"/>
+          <a:chExt cx="0" cy="0"/>
+        </a:xfrm>
+      </p:grpSpPr>
+      <p:sp>
+        <p:nvSpPr>
+          <p:cNvPr id="4" name="Rectangle 3">
+            <a:extLst>
+              <a:ext uri="{FF2B5EF4-FFF2-40B4-BE49-F238E27FC236}">
+                <a16:creationId xmlns:a16="http://schemas.microsoft.com/office/drawing/2014/main" id="{EDDA69E6-4131-4554-82F8-9393156CBF56}"/>
+              </a:ext>
+            </a:extLst>
+          </p:cNvPr>
+          <p:cNvSpPr/>
+          <p:nvPr/>
+        </p:nvSpPr>
+        <p:spPr>
+          <a:xfrm>
+            <a:off x="1815548" y="2319131"/>
+            <a:ext cx="1754703" cy="1457739"/>
+          </a:xfrm>
+          <a:prstGeom prst="rect">
+            <a:avLst/>
+          </a:prstGeom>
+        </p:spPr>
+        <p:style>
+          <a:lnRef idx="2">
+            <a:schemeClr val="accent1">
+              <a:shade val="50000"/>
+            </a:schemeClr>
+          </a:lnRef>
+          <a:fillRef idx="1">
+            <a:schemeClr val="accent1"/>
+          </a:fillRef>
+          <a:effectRef idx="0">
+            <a:schemeClr val="accent1"/>
+          </a:effectRef>
+          <a:fontRef idx="minor">
+            <a:schemeClr val="lt1"/>
+          </a:fontRef>
+        </p:style>
+        <p:txBody>
+          <a:bodyPr rtlCol="0" anchor="ctr"/>
+          <a:lstStyle/>
+          <a:p>
+            <a:pPr algn="ctr"/>
+            <a:endParaRPr lang="en-IN"/>
+          </a:p>
+        </p:txBody>
+      </p:sp>
+      <p:sp>
+        <p:nvSpPr>
+          <p:cNvPr id="5" name="TextBox 4">
+            <a:extLst>
+              <a:ext uri="{FF2B5EF4-FFF2-40B4-BE49-F238E27FC236}">
+                <a16:creationId xmlns:a16="http://schemas.microsoft.com/office/drawing/2014/main" id="{6FFB201F-EF86-425F-AA56-90D10305B910}"/>
+              </a:ext>
+            </a:extLst>
+          </p:cNvPr>
+          <p:cNvSpPr txBox="1"/>
+          <p:nvPr/>
+        </p:nvSpPr>
+        <p:spPr>
+          <a:xfrm>
+            <a:off x="2067339" y="2718425"/>
+            <a:ext cx="1502912" cy="369332"/>
+          </a:xfrm>
+          <a:prstGeom prst="rect">
+            <a:avLst/>
+          </a:prstGeom>
+          <a:noFill/>
+        </p:spPr>
+        <p:txBody>
+          <a:bodyPr wrap="none" rtlCol="0">
+            <a:spAutoFit/>
+          </a:bodyPr>
+          <a:lstStyle/>
+          <a:p>
+            <a:r>
+              <a:rPr lang="en-CA" dirty="0"/>
+              <a:t>Sentiment140</a:t>
+            </a:r>
+            <a:endParaRPr lang="en-IN" dirty="0"/>
+          </a:p>
+        </p:txBody>
+      </p:sp>
+      <p:sp>
+        <p:nvSpPr>
+          <p:cNvPr id="6" name="TextBox 5">
+            <a:extLst>
+              <a:ext uri="{FF2B5EF4-FFF2-40B4-BE49-F238E27FC236}">
+                <a16:creationId xmlns:a16="http://schemas.microsoft.com/office/drawing/2014/main" id="{768FB246-87C4-46D0-BF4B-0A4136EEB0ED}"/>
+              </a:ext>
+            </a:extLst>
+          </p:cNvPr>
+          <p:cNvSpPr txBox="1"/>
+          <p:nvPr/>
+        </p:nvSpPr>
+        <p:spPr>
+          <a:xfrm>
+            <a:off x="2355270" y="1844646"/>
+            <a:ext cx="927049" cy="369332"/>
+          </a:xfrm>
+          <a:prstGeom prst="rect">
+            <a:avLst/>
+          </a:prstGeom>
+          <a:noFill/>
+        </p:spPr>
+        <p:txBody>
+          <a:bodyPr wrap="none" rtlCol="0">
+            <a:spAutoFit/>
+          </a:bodyPr>
+          <a:lstStyle/>
+          <a:p>
+            <a:r>
+              <a:rPr lang="en-CA" dirty="0"/>
+              <a:t>Training</a:t>
+            </a:r>
+            <a:endParaRPr lang="en-IN" dirty="0"/>
+          </a:p>
+        </p:txBody>
+      </p:sp>
+      <p:sp>
+        <p:nvSpPr>
+          <p:cNvPr id="7" name="Rectangle 6">
+            <a:extLst>
+              <a:ext uri="{FF2B5EF4-FFF2-40B4-BE49-F238E27FC236}">
+                <a16:creationId xmlns:a16="http://schemas.microsoft.com/office/drawing/2014/main" id="{D268448A-BC7F-436D-90E6-557F262BD2CD}"/>
+              </a:ext>
+            </a:extLst>
+          </p:cNvPr>
+          <p:cNvSpPr/>
+          <p:nvPr/>
+        </p:nvSpPr>
+        <p:spPr>
+          <a:xfrm>
+            <a:off x="7636869" y="2319131"/>
+            <a:ext cx="2199861" cy="1457739"/>
+          </a:xfrm>
+          <a:prstGeom prst="rect">
+            <a:avLst/>
+          </a:prstGeom>
+        </p:spPr>
+        <p:style>
+          <a:lnRef idx="2">
+            <a:schemeClr val="accent1">
+              <a:shade val="50000"/>
+            </a:schemeClr>
+          </a:lnRef>
+          <a:fillRef idx="1">
+            <a:schemeClr val="accent1"/>
+          </a:fillRef>
+          <a:effectRef idx="0">
+            <a:schemeClr val="accent1"/>
+          </a:effectRef>
+          <a:fontRef idx="minor">
+            <a:schemeClr val="lt1"/>
+          </a:fontRef>
+        </p:style>
+        <p:txBody>
+          <a:bodyPr rtlCol="0" anchor="ctr"/>
+          <a:lstStyle/>
+          <a:p>
+            <a:pPr algn="ctr"/>
+            <a:endParaRPr lang="en-IN"/>
+          </a:p>
+        </p:txBody>
+      </p:sp>
+      <p:sp>
+        <p:nvSpPr>
+          <p:cNvPr id="8" name="TextBox 7">
+            <a:extLst>
+              <a:ext uri="{FF2B5EF4-FFF2-40B4-BE49-F238E27FC236}">
+                <a16:creationId xmlns:a16="http://schemas.microsoft.com/office/drawing/2014/main" id="{B1F3386D-DEE7-4F69-A0D2-CC01FF0744B8}"/>
+              </a:ext>
+            </a:extLst>
+          </p:cNvPr>
+          <p:cNvSpPr txBox="1"/>
+          <p:nvPr/>
+        </p:nvSpPr>
+        <p:spPr>
+          <a:xfrm>
+            <a:off x="7888660" y="2718425"/>
+            <a:ext cx="1521442" cy="369332"/>
+          </a:xfrm>
+          <a:prstGeom prst="rect">
+            <a:avLst/>
+          </a:prstGeom>
+          <a:noFill/>
+        </p:spPr>
+        <p:txBody>
+          <a:bodyPr wrap="none" rtlCol="0">
+            <a:spAutoFit/>
+          </a:bodyPr>
+          <a:lstStyle/>
+          <a:p>
+            <a:r>
+              <a:rPr lang="en-CA" dirty="0"/>
+              <a:t>Health Tweets</a:t>
+            </a:r>
+            <a:endParaRPr lang="en-IN" dirty="0"/>
+          </a:p>
+        </p:txBody>
+      </p:sp>
+      <p:sp>
+        <p:nvSpPr>
+          <p:cNvPr id="9" name="TextBox 8">
+            <a:extLst>
+              <a:ext uri="{FF2B5EF4-FFF2-40B4-BE49-F238E27FC236}">
+                <a16:creationId xmlns:a16="http://schemas.microsoft.com/office/drawing/2014/main" id="{D126827A-CE82-4438-A55E-88D25C2145B2}"/>
+              </a:ext>
+            </a:extLst>
+          </p:cNvPr>
+          <p:cNvSpPr txBox="1"/>
+          <p:nvPr/>
+        </p:nvSpPr>
+        <p:spPr>
+          <a:xfrm>
+            <a:off x="8176591" y="1844646"/>
+            <a:ext cx="764697" cy="369332"/>
+          </a:xfrm>
+          <a:prstGeom prst="rect">
+            <a:avLst/>
+          </a:prstGeom>
+          <a:noFill/>
+        </p:spPr>
+        <p:txBody>
+          <a:bodyPr wrap="none" rtlCol="0">
+            <a:spAutoFit/>
+          </a:bodyPr>
+          <a:lstStyle/>
+          <a:p>
+            <a:r>
+              <a:rPr lang="en-CA" dirty="0"/>
+              <a:t>Target</a:t>
+            </a:r>
+            <a:endParaRPr lang="en-IN" dirty="0"/>
+          </a:p>
+        </p:txBody>
+      </p:sp>
+      <p:sp>
+        <p:nvSpPr>
+          <p:cNvPr id="10" name="TextBox 9">
+            <a:extLst>
+              <a:ext uri="{FF2B5EF4-FFF2-40B4-BE49-F238E27FC236}">
+                <a16:creationId xmlns:a16="http://schemas.microsoft.com/office/drawing/2014/main" id="{5C6C1541-E329-43DD-B540-45F481435154}"/>
+              </a:ext>
+            </a:extLst>
+          </p:cNvPr>
+          <p:cNvSpPr txBox="1"/>
+          <p:nvPr/>
+        </p:nvSpPr>
+        <p:spPr>
+          <a:xfrm>
+            <a:off x="463828" y="5076448"/>
+            <a:ext cx="10840276" cy="830997"/>
+          </a:xfrm>
+          <a:prstGeom prst="rect">
+            <a:avLst/>
+          </a:prstGeom>
+          <a:noFill/>
+        </p:spPr>
+        <p:txBody>
+          <a:bodyPr wrap="square" rtlCol="0">
+            <a:spAutoFit/>
+          </a:bodyPr>
+          <a:lstStyle/>
+          <a:p>
+            <a:pPr marL="342900" indent="-342900">
+              <a:buFont typeface="+mj-lt"/>
+              <a:buAutoNum type="arabicPeriod"/>
+            </a:pPr>
+            <a:r>
+              <a:rPr lang="en-CA" sz="1600" dirty="0"/>
+              <a:t>Use the Sentiment140 to train a sentiment model. We are using a random sample of 25K rows with a positive &amp; negative ratio of 1:1</a:t>
+            </a:r>
+          </a:p>
+          <a:p>
+            <a:pPr marL="342900" indent="-342900">
+              <a:buFont typeface="+mj-lt"/>
+              <a:buAutoNum type="arabicPeriod"/>
+            </a:pPr>
+            <a:r>
+              <a:rPr lang="en-CA" sz="1600" dirty="0"/>
+              <a:t>Use this model to score the Health tweet data.</a:t>
+            </a:r>
+            <a:endParaRPr lang="en-IN" sz="1600" dirty="0"/>
+          </a:p>
+        </p:txBody>
+      </p:sp>
+      <p:sp>
+        <p:nvSpPr>
+          <p:cNvPr id="11" name="Rectangle 10">
+            <a:extLst>
+              <a:ext uri="{FF2B5EF4-FFF2-40B4-BE49-F238E27FC236}">
+                <a16:creationId xmlns:a16="http://schemas.microsoft.com/office/drawing/2014/main" id="{7E889BA3-8FA1-4983-9CF8-66D0F39131AF}"/>
+              </a:ext>
+            </a:extLst>
+          </p:cNvPr>
+          <p:cNvSpPr/>
+          <p:nvPr/>
+        </p:nvSpPr>
+        <p:spPr>
+          <a:xfrm>
+            <a:off x="3570251" y="2319131"/>
+            <a:ext cx="670445" cy="1457739"/>
+          </a:xfrm>
+          <a:prstGeom prst="rect">
+            <a:avLst/>
+          </a:prstGeom>
+          <a:solidFill>
+            <a:schemeClr val="accent2"/>
+          </a:solidFill>
+        </p:spPr>
+        <p:style>
+          <a:lnRef idx="2">
+            <a:schemeClr val="accent1">
+              <a:shade val="50000"/>
+            </a:schemeClr>
+          </a:lnRef>
+          <a:fillRef idx="1">
+            <a:schemeClr val="accent1"/>
+          </a:fillRef>
+          <a:effectRef idx="0">
+            <a:schemeClr val="accent1"/>
+          </a:effectRef>
+          <a:fontRef idx="minor">
+            <a:schemeClr val="lt1"/>
+          </a:fontRef>
+        </p:style>
+        <p:txBody>
+          <a:bodyPr rtlCol="0" anchor="ctr"/>
+          <a:lstStyle/>
+          <a:p>
+            <a:pPr algn="ctr"/>
+            <a:endParaRPr lang="en-IN"/>
+          </a:p>
+        </p:txBody>
+      </p:sp>
+      <p:sp>
+        <p:nvSpPr>
+          <p:cNvPr id="12" name="TextBox 11">
+            <a:extLst>
+              <a:ext uri="{FF2B5EF4-FFF2-40B4-BE49-F238E27FC236}">
+                <a16:creationId xmlns:a16="http://schemas.microsoft.com/office/drawing/2014/main" id="{C8B9ED26-EE50-4272-A0B3-C13B0C186898}"/>
+              </a:ext>
+            </a:extLst>
+          </p:cNvPr>
+          <p:cNvSpPr txBox="1"/>
+          <p:nvPr/>
+        </p:nvSpPr>
+        <p:spPr>
+          <a:xfrm>
+            <a:off x="3627512" y="1844646"/>
+            <a:ext cx="555921" cy="369332"/>
+          </a:xfrm>
+          <a:prstGeom prst="rect">
+            <a:avLst/>
+          </a:prstGeom>
+          <a:noFill/>
+        </p:spPr>
+        <p:txBody>
+          <a:bodyPr wrap="none" rtlCol="0">
+            <a:spAutoFit/>
+          </a:bodyPr>
+          <a:lstStyle/>
+          <a:p>
+            <a:r>
+              <a:rPr lang="en-CA" dirty="0"/>
+              <a:t>Test</a:t>
+            </a:r>
+            <a:endParaRPr lang="en-IN" dirty="0"/>
+          </a:p>
+        </p:txBody>
+      </p:sp>
+      <p:sp>
+        <p:nvSpPr>
+          <p:cNvPr id="13" name="Arrow: Right 12">
+            <a:extLst>
+              <a:ext uri="{FF2B5EF4-FFF2-40B4-BE49-F238E27FC236}">
+                <a16:creationId xmlns:a16="http://schemas.microsoft.com/office/drawing/2014/main" id="{216902FF-3CC0-46ED-81F1-BCBC6072F283}"/>
+              </a:ext>
+            </a:extLst>
+          </p:cNvPr>
+          <p:cNvSpPr/>
+          <p:nvPr/>
+        </p:nvSpPr>
+        <p:spPr>
+          <a:xfrm>
+            <a:off x="4492487" y="2718425"/>
+            <a:ext cx="808382" cy="475349"/>
+          </a:xfrm>
+          <a:prstGeom prst="rightArrow">
+            <a:avLst/>
+          </a:prstGeom>
+        </p:spPr>
+        <p:style>
+          <a:lnRef idx="2">
+            <a:schemeClr val="accent1">
+              <a:shade val="50000"/>
+            </a:schemeClr>
+          </a:lnRef>
+          <a:fillRef idx="1">
+            <a:schemeClr val="accent1"/>
+          </a:fillRef>
+          <a:effectRef idx="0">
+            <a:schemeClr val="accent1"/>
+          </a:effectRef>
+          <a:fontRef idx="minor">
+            <a:schemeClr val="lt1"/>
+          </a:fontRef>
+        </p:style>
+        <p:txBody>
+          <a:bodyPr rtlCol="0" anchor="ctr"/>
+          <a:lstStyle/>
+          <a:p>
+            <a:pPr algn="ctr"/>
+            <a:endParaRPr lang="en-IN"/>
+          </a:p>
+        </p:txBody>
+      </p:sp>
+      <p:sp>
+        <p:nvSpPr>
+          <p:cNvPr id="14" name="Rectangle: Rounded Corners 13">
+            <a:extLst>
+              <a:ext uri="{FF2B5EF4-FFF2-40B4-BE49-F238E27FC236}">
+                <a16:creationId xmlns:a16="http://schemas.microsoft.com/office/drawing/2014/main" id="{C17D10DF-D528-42B6-9BA3-363CB4E1D882}"/>
+              </a:ext>
+            </a:extLst>
+          </p:cNvPr>
+          <p:cNvSpPr/>
+          <p:nvPr/>
+        </p:nvSpPr>
+        <p:spPr>
+          <a:xfrm>
+            <a:off x="5512905" y="2570850"/>
+            <a:ext cx="982525" cy="818321"/>
+          </a:xfrm>
+          <a:prstGeom prst="roundRect">
+            <a:avLst/>
+          </a:prstGeom>
+        </p:spPr>
+        <p:style>
+          <a:lnRef idx="2">
+            <a:schemeClr val="accent1">
+              <a:shade val="50000"/>
+            </a:schemeClr>
+          </a:lnRef>
+          <a:fillRef idx="1">
+            <a:schemeClr val="accent1"/>
+          </a:fillRef>
+          <a:effectRef idx="0">
+            <a:schemeClr val="accent1"/>
+          </a:effectRef>
+          <a:fontRef idx="minor">
+            <a:schemeClr val="lt1"/>
+          </a:fontRef>
+        </p:style>
+        <p:txBody>
+          <a:bodyPr rtlCol="0" anchor="ctr"/>
+          <a:lstStyle/>
+          <a:p>
+            <a:pPr algn="ctr"/>
+            <a:endParaRPr lang="en-IN"/>
+          </a:p>
+        </p:txBody>
+      </p:sp>
+      <p:sp>
+        <p:nvSpPr>
+          <p:cNvPr id="15" name="TextBox 14">
+            <a:extLst>
+              <a:ext uri="{FF2B5EF4-FFF2-40B4-BE49-F238E27FC236}">
+                <a16:creationId xmlns:a16="http://schemas.microsoft.com/office/drawing/2014/main" id="{956DDC14-F3B9-4E39-86C5-1C7AC37FFD58}"/>
+              </a:ext>
+            </a:extLst>
+          </p:cNvPr>
+          <p:cNvSpPr txBox="1"/>
+          <p:nvPr/>
+        </p:nvSpPr>
+        <p:spPr>
+          <a:xfrm>
+            <a:off x="5659103" y="1929056"/>
+            <a:ext cx="793807" cy="369332"/>
+          </a:xfrm>
+          <a:prstGeom prst="rect">
+            <a:avLst/>
+          </a:prstGeom>
+          <a:noFill/>
+        </p:spPr>
+        <p:txBody>
+          <a:bodyPr wrap="none" rtlCol="0">
+            <a:spAutoFit/>
+          </a:bodyPr>
+          <a:lstStyle/>
+          <a:p>
+            <a:r>
+              <a:rPr lang="en-CA" dirty="0"/>
+              <a:t>Model</a:t>
+            </a:r>
+            <a:endParaRPr lang="en-IN" dirty="0"/>
+          </a:p>
+        </p:txBody>
+      </p:sp>
+      <p:sp>
+        <p:nvSpPr>
+          <p:cNvPr id="16" name="Arrow: Right 15">
+            <a:extLst>
+              <a:ext uri="{FF2B5EF4-FFF2-40B4-BE49-F238E27FC236}">
+                <a16:creationId xmlns:a16="http://schemas.microsoft.com/office/drawing/2014/main" id="{34A17572-42DE-42B7-83AC-59692E605D8D}"/>
+              </a:ext>
+            </a:extLst>
+          </p:cNvPr>
+          <p:cNvSpPr/>
+          <p:nvPr/>
+        </p:nvSpPr>
+        <p:spPr>
+          <a:xfrm>
+            <a:off x="6679096" y="2718425"/>
+            <a:ext cx="836327" cy="475349"/>
+          </a:xfrm>
+          <a:prstGeom prst="rightArrow">
+            <a:avLst/>
+          </a:prstGeom>
+        </p:spPr>
+        <p:style>
+          <a:lnRef idx="2">
+            <a:schemeClr val="accent1">
+              <a:shade val="50000"/>
+            </a:schemeClr>
+          </a:lnRef>
+          <a:fillRef idx="1">
+            <a:schemeClr val="accent1"/>
+          </a:fillRef>
+          <a:effectRef idx="0">
+            <a:schemeClr val="accent1"/>
+          </a:effectRef>
+          <a:fontRef idx="minor">
+            <a:schemeClr val="lt1"/>
+          </a:fontRef>
+        </p:style>
+        <p:txBody>
+          <a:bodyPr rtlCol="0" anchor="ctr"/>
+          <a:lstStyle/>
+          <a:p>
+            <a:pPr algn="ctr"/>
+            <a:endParaRPr lang="en-IN"/>
+          </a:p>
+        </p:txBody>
+      </p:sp>
+      <p:sp>
+        <p:nvSpPr>
+          <p:cNvPr id="17" name="Rectangle 16">
+            <a:extLst>
+              <a:ext uri="{FF2B5EF4-FFF2-40B4-BE49-F238E27FC236}">
+                <a16:creationId xmlns:a16="http://schemas.microsoft.com/office/drawing/2014/main" id="{40C8C5DF-7D7D-4EDA-AB4B-85B2C8C899CD}"/>
+              </a:ext>
+            </a:extLst>
+          </p:cNvPr>
+          <p:cNvSpPr/>
+          <p:nvPr/>
+        </p:nvSpPr>
+        <p:spPr>
+          <a:xfrm>
+            <a:off x="9851734" y="2319130"/>
+            <a:ext cx="406298" cy="1457739"/>
+          </a:xfrm>
+          <a:prstGeom prst="rect">
+            <a:avLst/>
+          </a:prstGeom>
+          <a:solidFill>
+            <a:schemeClr val="accent2"/>
+          </a:solidFill>
+        </p:spPr>
+        <p:style>
+          <a:lnRef idx="2">
+            <a:schemeClr val="accent1">
+              <a:shade val="50000"/>
+            </a:schemeClr>
+          </a:lnRef>
+          <a:fillRef idx="1">
+            <a:schemeClr val="accent1"/>
+          </a:fillRef>
+          <a:effectRef idx="0">
+            <a:schemeClr val="accent1"/>
+          </a:effectRef>
+          <a:fontRef idx="minor">
+            <a:schemeClr val="lt1"/>
+          </a:fontRef>
+        </p:style>
+        <p:txBody>
+          <a:bodyPr rtlCol="0" anchor="ctr"/>
+          <a:lstStyle/>
+          <a:p>
+            <a:pPr algn="ctr"/>
+            <a:endParaRPr lang="en-IN"/>
+          </a:p>
+        </p:txBody>
+      </p:sp>
+      <p:sp>
+        <p:nvSpPr>
+          <p:cNvPr id="18" name="TextBox 17">
+            <a:extLst>
+              <a:ext uri="{FF2B5EF4-FFF2-40B4-BE49-F238E27FC236}">
+                <a16:creationId xmlns:a16="http://schemas.microsoft.com/office/drawing/2014/main" id="{CF70C5A0-3FB1-42BF-81EE-7FC4C41B30F1}"/>
+              </a:ext>
+            </a:extLst>
+          </p:cNvPr>
+          <p:cNvSpPr txBox="1"/>
+          <p:nvPr/>
+        </p:nvSpPr>
+        <p:spPr>
+          <a:xfrm>
+            <a:off x="9836730" y="1949798"/>
+            <a:ext cx="683200" cy="369332"/>
+          </a:xfrm>
+          <a:prstGeom prst="rect">
+            <a:avLst/>
+          </a:prstGeom>
+          <a:noFill/>
+        </p:spPr>
+        <p:txBody>
+          <a:bodyPr wrap="none" rtlCol="0">
+            <a:spAutoFit/>
+          </a:bodyPr>
+          <a:lstStyle/>
+          <a:p>
+            <a:r>
+              <a:rPr lang="en-CA" dirty="0"/>
+              <a:t>Label</a:t>
+            </a:r>
+            <a:endParaRPr lang="en-IN" dirty="0"/>
+          </a:p>
+        </p:txBody>
+      </p:sp>
+      <p:sp>
+        <p:nvSpPr>
+          <p:cNvPr id="22" name="Rectangle 21">
+            <a:extLst>
+              <a:ext uri="{FF2B5EF4-FFF2-40B4-BE49-F238E27FC236}">
+                <a16:creationId xmlns:a16="http://schemas.microsoft.com/office/drawing/2014/main" id="{6C600E9B-1ED4-4F09-922F-41C511F364B0}"/>
+              </a:ext>
+            </a:extLst>
+          </p:cNvPr>
+          <p:cNvSpPr/>
+          <p:nvPr/>
+        </p:nvSpPr>
+        <p:spPr>
+          <a:xfrm>
+            <a:off x="1033670" y="1260685"/>
+            <a:ext cx="4052607" cy="3231802"/>
+          </a:xfrm>
+          <a:prstGeom prst="rect">
+            <a:avLst/>
+          </a:prstGeom>
+          <a:noFill/>
+          <a:ln w="28575">
+            <a:prstDash val="dash"/>
+          </a:ln>
+        </p:spPr>
+        <p:style>
+          <a:lnRef idx="2">
+            <a:schemeClr val="accent1">
+              <a:shade val="50000"/>
+            </a:schemeClr>
+          </a:lnRef>
+          <a:fillRef idx="1">
+            <a:schemeClr val="accent1"/>
+          </a:fillRef>
+          <a:effectRef idx="0">
+            <a:schemeClr val="accent1"/>
+          </a:effectRef>
+          <a:fontRef idx="minor">
+            <a:schemeClr val="lt1"/>
+          </a:fontRef>
+        </p:style>
+        <p:txBody>
+          <a:bodyPr rtlCol="0" anchor="ctr"/>
+          <a:lstStyle/>
+          <a:p>
+            <a:pPr algn="ctr"/>
+            <a:endParaRPr lang="en-IN"/>
+          </a:p>
+        </p:txBody>
+      </p:sp>
+      <p:sp>
+        <p:nvSpPr>
+          <p:cNvPr id="23" name="Rectangle 22">
+            <a:extLst>
+              <a:ext uri="{FF2B5EF4-FFF2-40B4-BE49-F238E27FC236}">
+                <a16:creationId xmlns:a16="http://schemas.microsoft.com/office/drawing/2014/main" id="{858C01E8-A5BB-46ED-AC11-2201D72EA67C}"/>
+              </a:ext>
+            </a:extLst>
+          </p:cNvPr>
+          <p:cNvSpPr/>
+          <p:nvPr/>
+        </p:nvSpPr>
+        <p:spPr>
+          <a:xfrm>
+            <a:off x="6710495" y="1260685"/>
+            <a:ext cx="4052607" cy="3231802"/>
+          </a:xfrm>
+          <a:prstGeom prst="rect">
+            <a:avLst/>
+          </a:prstGeom>
+          <a:noFill/>
+          <a:ln w="28575">
+            <a:prstDash val="dash"/>
+          </a:ln>
+        </p:spPr>
+        <p:style>
+          <a:lnRef idx="2">
+            <a:schemeClr val="accent1">
+              <a:shade val="50000"/>
+            </a:schemeClr>
+          </a:lnRef>
+          <a:fillRef idx="1">
+            <a:schemeClr val="accent1"/>
+          </a:fillRef>
+          <a:effectRef idx="0">
+            <a:schemeClr val="accent1"/>
+          </a:effectRef>
+          <a:fontRef idx="minor">
+            <a:schemeClr val="lt1"/>
+          </a:fontRef>
+        </p:style>
+        <p:txBody>
+          <a:bodyPr rtlCol="0" anchor="ctr"/>
+          <a:lstStyle/>
+          <a:p>
+            <a:pPr algn="ctr"/>
+            <a:endParaRPr lang="en-IN"/>
+          </a:p>
+        </p:txBody>
+      </p:sp>
+      <p:sp>
+        <p:nvSpPr>
+          <p:cNvPr id="24" name="TextBox 23">
+            <a:extLst>
+              <a:ext uri="{FF2B5EF4-FFF2-40B4-BE49-F238E27FC236}">
+                <a16:creationId xmlns:a16="http://schemas.microsoft.com/office/drawing/2014/main" id="{7E759A93-F052-4F60-B717-2F7D7C7AAB44}"/>
+              </a:ext>
+            </a:extLst>
+          </p:cNvPr>
+          <p:cNvSpPr txBox="1"/>
+          <p:nvPr/>
+        </p:nvSpPr>
+        <p:spPr>
+          <a:xfrm>
+            <a:off x="2432758" y="691706"/>
+            <a:ext cx="979179" cy="461665"/>
+          </a:xfrm>
+          <a:prstGeom prst="rect">
+            <a:avLst/>
+          </a:prstGeom>
+          <a:noFill/>
+        </p:spPr>
+        <p:txBody>
+          <a:bodyPr wrap="none" rtlCol="0">
+            <a:spAutoFit/>
+          </a:bodyPr>
+          <a:lstStyle/>
+          <a:p>
+            <a:r>
+              <a:rPr lang="en-CA" sz="2400" b="1" dirty="0"/>
+              <a:t>Step 1</a:t>
+            </a:r>
+            <a:endParaRPr lang="en-IN" sz="2400" b="1" dirty="0"/>
+          </a:p>
+        </p:txBody>
+      </p:sp>
+      <p:sp>
+        <p:nvSpPr>
+          <p:cNvPr id="25" name="TextBox 24">
+            <a:extLst>
+              <a:ext uri="{FF2B5EF4-FFF2-40B4-BE49-F238E27FC236}">
+                <a16:creationId xmlns:a16="http://schemas.microsoft.com/office/drawing/2014/main" id="{AFCC78F6-E9F3-4DC5-A21B-81BF167BAE2A}"/>
+              </a:ext>
+            </a:extLst>
+          </p:cNvPr>
+          <p:cNvSpPr txBox="1"/>
+          <p:nvPr/>
+        </p:nvSpPr>
+        <p:spPr>
+          <a:xfrm>
+            <a:off x="8069349" y="685297"/>
+            <a:ext cx="979179" cy="461665"/>
+          </a:xfrm>
+          <a:prstGeom prst="rect">
+            <a:avLst/>
+          </a:prstGeom>
+          <a:noFill/>
+        </p:spPr>
+        <p:txBody>
+          <a:bodyPr wrap="none" rtlCol="0">
+            <a:spAutoFit/>
+          </a:bodyPr>
+          <a:lstStyle/>
+          <a:p>
+            <a:r>
+              <a:rPr lang="en-CA" sz="2400" b="1" dirty="0"/>
+              <a:t>Step 2</a:t>
+            </a:r>
+            <a:endParaRPr lang="en-IN" sz="2400" b="1" dirty="0"/>
+          </a:p>
+        </p:txBody>
+      </p:sp>
+      <p:sp>
+        <p:nvSpPr>
+          <p:cNvPr id="26" name="TextBox 25">
+            <a:extLst>
+              <a:ext uri="{FF2B5EF4-FFF2-40B4-BE49-F238E27FC236}">
+                <a16:creationId xmlns:a16="http://schemas.microsoft.com/office/drawing/2014/main" id="{4959E297-E83D-4293-AAF2-498AE32D4370}"/>
+              </a:ext>
+            </a:extLst>
+          </p:cNvPr>
+          <p:cNvSpPr txBox="1"/>
+          <p:nvPr/>
+        </p:nvSpPr>
+        <p:spPr>
+          <a:xfrm>
+            <a:off x="5512905" y="2795344"/>
+            <a:ext cx="1023037" cy="369332"/>
+          </a:xfrm>
+          <a:prstGeom prst="rect">
+            <a:avLst/>
+          </a:prstGeom>
+          <a:noFill/>
+        </p:spPr>
+        <p:txBody>
+          <a:bodyPr wrap="none" rtlCol="0">
+            <a:spAutoFit/>
+          </a:bodyPr>
+          <a:lstStyle/>
+          <a:p>
+            <a:r>
+              <a:rPr lang="en-CA" dirty="0"/>
+              <a:t>Classifier</a:t>
+            </a:r>
+            <a:endParaRPr lang="en-IN" dirty="0"/>
+          </a:p>
+        </p:txBody>
+      </p:sp>
+    </p:spTree>
+    <p:extLst>
+      <p:ext uri="{BB962C8B-B14F-4D97-AF65-F5344CB8AC3E}">
+        <p14:creationId xmlns:p14="http://schemas.microsoft.com/office/powerpoint/2010/main" val="431205882"/>
+      </p:ext>
+    </p:extLst>
+  </p:cSld>
+  <p:clrMapOvr>
+    <a:masterClrMapping/>
+  </p:clrMapOvr>
+</p:sld>
+</file>
+
+<file path=ppt/slides/slide2.xml><?xml version="1.0" encoding="utf-8"?>
 <p:sld xmlns:a="http://schemas.openxmlformats.org/drawingml/2006/main" xmlns:r="http://schemas.openxmlformats.org/officeDocument/2006/relationships" xmlns:p="http://schemas.openxmlformats.org/presentationml/2006/main">
   <p:cSld>
     <p:spTree>
